--- a/ppt 16-9/0806.我的心只属于你.pptx
+++ b/ppt 16-9/0806.我的心只属于你.pptx
@@ -129,7 +129,7 @@
           <p:cNvPr id="2" name="标题 1">
             <a:extLst>
               <a:ext uri="{FF2B5EF4-FFF2-40B4-BE49-F238E27FC236}">
-                <a16:creationId xmlns:a16="http://schemas.microsoft.com/office/drawing/2014/main" id="{41C210E1-6C07-59C2-8781-DC430F1F0EDD}"/>
+                <a16:creationId xmlns:a16="http://schemas.microsoft.com/office/drawing/2014/main" id="{9115668A-A6BD-E7F0-5874-265A1DB64FF4}"/>
               </a:ext>
             </a:extLst>
           </p:cNvPr>
@@ -166,7 +166,7 @@
           <p:cNvPr id="3" name="副标题 2">
             <a:extLst>
               <a:ext uri="{FF2B5EF4-FFF2-40B4-BE49-F238E27FC236}">
-                <a16:creationId xmlns:a16="http://schemas.microsoft.com/office/drawing/2014/main" id="{81C42759-4370-BA36-A518-F97ABF781D33}"/>
+                <a16:creationId xmlns:a16="http://schemas.microsoft.com/office/drawing/2014/main" id="{A12ACA8F-4805-1290-E3AC-41278417B033}"/>
               </a:ext>
             </a:extLst>
           </p:cNvPr>
@@ -236,7 +236,7 @@
           <p:cNvPr id="4" name="日期占位符 3">
             <a:extLst>
               <a:ext uri="{FF2B5EF4-FFF2-40B4-BE49-F238E27FC236}">
-                <a16:creationId xmlns:a16="http://schemas.microsoft.com/office/drawing/2014/main" id="{B975C712-7A41-7C49-F56C-530BC0BEE2AE}"/>
+                <a16:creationId xmlns:a16="http://schemas.microsoft.com/office/drawing/2014/main" id="{C5BCA070-DB19-AA79-3EF1-4F901F5B11EE}"/>
               </a:ext>
             </a:extLst>
           </p:cNvPr>
@@ -252,7 +252,7 @@
           <a:bodyPr/>
           <a:lstStyle/>
           <a:p>
-            <a:fld id="{0FD212FD-B33E-45BF-A43B-2A018F8D3B3E}" type="datetimeFigureOut">
+            <a:fld id="{59F6A7A8-5896-48CF-86C9-E363E9CE9A99}" type="datetimeFigureOut">
               <a:rPr lang="zh-CN" altLang="en-US" smtClean="0"/>
               <a:t>2024/3/10</a:t>
             </a:fld>
@@ -265,7 +265,7 @@
           <p:cNvPr id="5" name="页脚占位符 4">
             <a:extLst>
               <a:ext uri="{FF2B5EF4-FFF2-40B4-BE49-F238E27FC236}">
-                <a16:creationId xmlns:a16="http://schemas.microsoft.com/office/drawing/2014/main" id="{D4B84414-6C8F-F686-333C-ABA6128F2271}"/>
+                <a16:creationId xmlns:a16="http://schemas.microsoft.com/office/drawing/2014/main" id="{F781154C-E286-6B4A-2A58-100A3705BC87}"/>
               </a:ext>
             </a:extLst>
           </p:cNvPr>
@@ -290,7 +290,7 @@
           <p:cNvPr id="6" name="灯片编号占位符 5">
             <a:extLst>
               <a:ext uri="{FF2B5EF4-FFF2-40B4-BE49-F238E27FC236}">
-                <a16:creationId xmlns:a16="http://schemas.microsoft.com/office/drawing/2014/main" id="{CFC68EBA-487E-CD16-9E78-292A24FEB7C2}"/>
+                <a16:creationId xmlns:a16="http://schemas.microsoft.com/office/drawing/2014/main" id="{3EB24DFF-F140-F69F-5FBC-491A66ABF42F}"/>
               </a:ext>
             </a:extLst>
           </p:cNvPr>
@@ -306,7 +306,7 @@
           <a:bodyPr/>
           <a:lstStyle/>
           <a:p>
-            <a:fld id="{0CD1044D-D32D-4526-9464-3F5AEE835332}" type="slidenum">
+            <a:fld id="{A4E5E46C-E0AE-4ECF-806A-F54602903F6A}" type="slidenum">
               <a:rPr lang="zh-CN" altLang="en-US" smtClean="0"/>
               <a:t>‹#›</a:t>
             </a:fld>
@@ -317,7 +317,7 @@
     </p:spTree>
     <p:extLst>
       <p:ext uri="{BB962C8B-B14F-4D97-AF65-F5344CB8AC3E}">
-        <p14:creationId xmlns:p14="http://schemas.microsoft.com/office/powerpoint/2010/main" val="1991910838"/>
+        <p14:creationId xmlns:p14="http://schemas.microsoft.com/office/powerpoint/2010/main" val="19785859"/>
       </p:ext>
     </p:extLst>
   </p:cSld>
@@ -349,7 +349,7 @@
           <p:cNvPr id="2" name="标题 1">
             <a:extLst>
               <a:ext uri="{FF2B5EF4-FFF2-40B4-BE49-F238E27FC236}">
-                <a16:creationId xmlns:a16="http://schemas.microsoft.com/office/drawing/2014/main" id="{B2A2C583-CFFE-0A58-EF15-BADDDF9E6507}"/>
+                <a16:creationId xmlns:a16="http://schemas.microsoft.com/office/drawing/2014/main" id="{0B69EC87-AAE0-98F9-1B18-FF0B11E44A50}"/>
               </a:ext>
             </a:extLst>
           </p:cNvPr>
@@ -377,7 +377,7 @@
           <p:cNvPr id="3" name="竖排文字占位符 2">
             <a:extLst>
               <a:ext uri="{FF2B5EF4-FFF2-40B4-BE49-F238E27FC236}">
-                <a16:creationId xmlns:a16="http://schemas.microsoft.com/office/drawing/2014/main" id="{6903549E-228A-FF76-7456-DAE3F5F628AD}"/>
+                <a16:creationId xmlns:a16="http://schemas.microsoft.com/office/drawing/2014/main" id="{40716FFE-08F6-8C68-2851-8A714CAB3A6F}"/>
               </a:ext>
             </a:extLst>
           </p:cNvPr>
@@ -434,7 +434,7 @@
           <p:cNvPr id="4" name="日期占位符 3">
             <a:extLst>
               <a:ext uri="{FF2B5EF4-FFF2-40B4-BE49-F238E27FC236}">
-                <a16:creationId xmlns:a16="http://schemas.microsoft.com/office/drawing/2014/main" id="{3C03807A-F170-1845-D590-435CE7115CBA}"/>
+                <a16:creationId xmlns:a16="http://schemas.microsoft.com/office/drawing/2014/main" id="{FCC18423-702A-20CE-503E-678A5C978C0B}"/>
               </a:ext>
             </a:extLst>
           </p:cNvPr>
@@ -450,7 +450,7 @@
           <a:bodyPr/>
           <a:lstStyle/>
           <a:p>
-            <a:fld id="{0FD212FD-B33E-45BF-A43B-2A018F8D3B3E}" type="datetimeFigureOut">
+            <a:fld id="{59F6A7A8-5896-48CF-86C9-E363E9CE9A99}" type="datetimeFigureOut">
               <a:rPr lang="zh-CN" altLang="en-US" smtClean="0"/>
               <a:t>2024/3/10</a:t>
             </a:fld>
@@ -463,7 +463,7 @@
           <p:cNvPr id="5" name="页脚占位符 4">
             <a:extLst>
               <a:ext uri="{FF2B5EF4-FFF2-40B4-BE49-F238E27FC236}">
-                <a16:creationId xmlns:a16="http://schemas.microsoft.com/office/drawing/2014/main" id="{F4525D5C-E27C-D2F3-F131-F7A5DA910FB2}"/>
+                <a16:creationId xmlns:a16="http://schemas.microsoft.com/office/drawing/2014/main" id="{EAEC7E59-127D-BDC3-2A87-E75106DA2B8D}"/>
               </a:ext>
             </a:extLst>
           </p:cNvPr>
@@ -488,7 +488,7 @@
           <p:cNvPr id="6" name="灯片编号占位符 5">
             <a:extLst>
               <a:ext uri="{FF2B5EF4-FFF2-40B4-BE49-F238E27FC236}">
-                <a16:creationId xmlns:a16="http://schemas.microsoft.com/office/drawing/2014/main" id="{7E74E73C-7F31-ECA3-732A-CF39FBF6F2BE}"/>
+                <a16:creationId xmlns:a16="http://schemas.microsoft.com/office/drawing/2014/main" id="{FEEE2595-CD4A-1FC5-CA35-AF946413D062}"/>
               </a:ext>
             </a:extLst>
           </p:cNvPr>
@@ -504,7 +504,7 @@
           <a:bodyPr/>
           <a:lstStyle/>
           <a:p>
-            <a:fld id="{0CD1044D-D32D-4526-9464-3F5AEE835332}" type="slidenum">
+            <a:fld id="{A4E5E46C-E0AE-4ECF-806A-F54602903F6A}" type="slidenum">
               <a:rPr lang="zh-CN" altLang="en-US" smtClean="0"/>
               <a:t>‹#›</a:t>
             </a:fld>
@@ -515,7 +515,7 @@
     </p:spTree>
     <p:extLst>
       <p:ext uri="{BB962C8B-B14F-4D97-AF65-F5344CB8AC3E}">
-        <p14:creationId xmlns:p14="http://schemas.microsoft.com/office/powerpoint/2010/main" val="3978117516"/>
+        <p14:creationId xmlns:p14="http://schemas.microsoft.com/office/powerpoint/2010/main" val="2370047096"/>
       </p:ext>
     </p:extLst>
   </p:cSld>
@@ -547,7 +547,7 @@
           <p:cNvPr id="2" name="竖排标题 1">
             <a:extLst>
               <a:ext uri="{FF2B5EF4-FFF2-40B4-BE49-F238E27FC236}">
-                <a16:creationId xmlns:a16="http://schemas.microsoft.com/office/drawing/2014/main" id="{EF10615C-E0DD-AF05-29A7-225AE0B4E701}"/>
+                <a16:creationId xmlns:a16="http://schemas.microsoft.com/office/drawing/2014/main" id="{1E46A572-DA23-877E-7CDF-D5BC7BB35192}"/>
               </a:ext>
             </a:extLst>
           </p:cNvPr>
@@ -580,7 +580,7 @@
           <p:cNvPr id="3" name="竖排文字占位符 2">
             <a:extLst>
               <a:ext uri="{FF2B5EF4-FFF2-40B4-BE49-F238E27FC236}">
-                <a16:creationId xmlns:a16="http://schemas.microsoft.com/office/drawing/2014/main" id="{D48296D3-E379-E94F-E7FB-80F87D0D2488}"/>
+                <a16:creationId xmlns:a16="http://schemas.microsoft.com/office/drawing/2014/main" id="{66359D1B-B9B5-8FE4-7F1E-061726F2E92C}"/>
               </a:ext>
             </a:extLst>
           </p:cNvPr>
@@ -642,7 +642,7 @@
           <p:cNvPr id="4" name="日期占位符 3">
             <a:extLst>
               <a:ext uri="{FF2B5EF4-FFF2-40B4-BE49-F238E27FC236}">
-                <a16:creationId xmlns:a16="http://schemas.microsoft.com/office/drawing/2014/main" id="{C49ADD05-9A26-6B82-45FB-B34F66FCB636}"/>
+                <a16:creationId xmlns:a16="http://schemas.microsoft.com/office/drawing/2014/main" id="{10D0F8B4-33F3-FD5E-43ED-6EBB9D57C428}"/>
               </a:ext>
             </a:extLst>
           </p:cNvPr>
@@ -658,7 +658,7 @@
           <a:bodyPr/>
           <a:lstStyle/>
           <a:p>
-            <a:fld id="{0FD212FD-B33E-45BF-A43B-2A018F8D3B3E}" type="datetimeFigureOut">
+            <a:fld id="{59F6A7A8-5896-48CF-86C9-E363E9CE9A99}" type="datetimeFigureOut">
               <a:rPr lang="zh-CN" altLang="en-US" smtClean="0"/>
               <a:t>2024/3/10</a:t>
             </a:fld>
@@ -671,7 +671,7 @@
           <p:cNvPr id="5" name="页脚占位符 4">
             <a:extLst>
               <a:ext uri="{FF2B5EF4-FFF2-40B4-BE49-F238E27FC236}">
-                <a16:creationId xmlns:a16="http://schemas.microsoft.com/office/drawing/2014/main" id="{23F8B53D-C558-2151-7307-D17EE46FE808}"/>
+                <a16:creationId xmlns:a16="http://schemas.microsoft.com/office/drawing/2014/main" id="{CE20438E-F7F4-85B6-41ED-115027FE20AA}"/>
               </a:ext>
             </a:extLst>
           </p:cNvPr>
@@ -696,7 +696,7 @@
           <p:cNvPr id="6" name="灯片编号占位符 5">
             <a:extLst>
               <a:ext uri="{FF2B5EF4-FFF2-40B4-BE49-F238E27FC236}">
-                <a16:creationId xmlns:a16="http://schemas.microsoft.com/office/drawing/2014/main" id="{E4719FC4-94CC-1583-8352-A78FEACEB892}"/>
+                <a16:creationId xmlns:a16="http://schemas.microsoft.com/office/drawing/2014/main" id="{500E1228-8630-2E1E-9592-24804D90626A}"/>
               </a:ext>
             </a:extLst>
           </p:cNvPr>
@@ -712,7 +712,7 @@
           <a:bodyPr/>
           <a:lstStyle/>
           <a:p>
-            <a:fld id="{0CD1044D-D32D-4526-9464-3F5AEE835332}" type="slidenum">
+            <a:fld id="{A4E5E46C-E0AE-4ECF-806A-F54602903F6A}" type="slidenum">
               <a:rPr lang="zh-CN" altLang="en-US" smtClean="0"/>
               <a:t>‹#›</a:t>
             </a:fld>
@@ -723,7 +723,7 @@
     </p:spTree>
     <p:extLst>
       <p:ext uri="{BB962C8B-B14F-4D97-AF65-F5344CB8AC3E}">
-        <p14:creationId xmlns:p14="http://schemas.microsoft.com/office/powerpoint/2010/main" val="3181304589"/>
+        <p14:creationId xmlns:p14="http://schemas.microsoft.com/office/powerpoint/2010/main" val="4182646569"/>
       </p:ext>
     </p:extLst>
   </p:cSld>
@@ -755,7 +755,7 @@
           <p:cNvPr id="2" name="标题 1">
             <a:extLst>
               <a:ext uri="{FF2B5EF4-FFF2-40B4-BE49-F238E27FC236}">
-                <a16:creationId xmlns:a16="http://schemas.microsoft.com/office/drawing/2014/main" id="{CD0F21DA-0BCC-37B2-BDA5-BBCAAE7D672F}"/>
+                <a16:creationId xmlns:a16="http://schemas.microsoft.com/office/drawing/2014/main" id="{DAB99838-409B-7F0F-C951-CA2AB965998D}"/>
               </a:ext>
             </a:extLst>
           </p:cNvPr>
@@ -783,7 +783,7 @@
           <p:cNvPr id="3" name="内容占位符 2">
             <a:extLst>
               <a:ext uri="{FF2B5EF4-FFF2-40B4-BE49-F238E27FC236}">
-                <a16:creationId xmlns:a16="http://schemas.microsoft.com/office/drawing/2014/main" id="{32049FEC-2475-82BB-43CE-CD403F741B85}"/>
+                <a16:creationId xmlns:a16="http://schemas.microsoft.com/office/drawing/2014/main" id="{CA6B272E-7C59-AF00-4158-AB00E11DF61F}"/>
               </a:ext>
             </a:extLst>
           </p:cNvPr>
@@ -840,7 +840,7 @@
           <p:cNvPr id="4" name="日期占位符 3">
             <a:extLst>
               <a:ext uri="{FF2B5EF4-FFF2-40B4-BE49-F238E27FC236}">
-                <a16:creationId xmlns:a16="http://schemas.microsoft.com/office/drawing/2014/main" id="{612707F8-4AAC-0519-8951-5415008DFB16}"/>
+                <a16:creationId xmlns:a16="http://schemas.microsoft.com/office/drawing/2014/main" id="{63B5CED2-F672-C1FC-E41A-CB7DFAEBF412}"/>
               </a:ext>
             </a:extLst>
           </p:cNvPr>
@@ -856,7 +856,7 @@
           <a:bodyPr/>
           <a:lstStyle/>
           <a:p>
-            <a:fld id="{0FD212FD-B33E-45BF-A43B-2A018F8D3B3E}" type="datetimeFigureOut">
+            <a:fld id="{59F6A7A8-5896-48CF-86C9-E363E9CE9A99}" type="datetimeFigureOut">
               <a:rPr lang="zh-CN" altLang="en-US" smtClean="0"/>
               <a:t>2024/3/10</a:t>
             </a:fld>
@@ -869,7 +869,7 @@
           <p:cNvPr id="5" name="页脚占位符 4">
             <a:extLst>
               <a:ext uri="{FF2B5EF4-FFF2-40B4-BE49-F238E27FC236}">
-                <a16:creationId xmlns:a16="http://schemas.microsoft.com/office/drawing/2014/main" id="{355EC7AA-668B-B7C1-4969-7212DE4E6DC3}"/>
+                <a16:creationId xmlns:a16="http://schemas.microsoft.com/office/drawing/2014/main" id="{FC9D43DC-FCB0-EE88-DEA2-472FB03FE227}"/>
               </a:ext>
             </a:extLst>
           </p:cNvPr>
@@ -894,7 +894,7 @@
           <p:cNvPr id="6" name="灯片编号占位符 5">
             <a:extLst>
               <a:ext uri="{FF2B5EF4-FFF2-40B4-BE49-F238E27FC236}">
-                <a16:creationId xmlns:a16="http://schemas.microsoft.com/office/drawing/2014/main" id="{2D0CE021-56A6-E545-2953-043BA775A8E1}"/>
+                <a16:creationId xmlns:a16="http://schemas.microsoft.com/office/drawing/2014/main" id="{677C5DEF-CDB8-3E78-A1FA-CEF2ABF9409A}"/>
               </a:ext>
             </a:extLst>
           </p:cNvPr>
@@ -910,7 +910,7 @@
           <a:bodyPr/>
           <a:lstStyle/>
           <a:p>
-            <a:fld id="{0CD1044D-D32D-4526-9464-3F5AEE835332}" type="slidenum">
+            <a:fld id="{A4E5E46C-E0AE-4ECF-806A-F54602903F6A}" type="slidenum">
               <a:rPr lang="zh-CN" altLang="en-US" smtClean="0"/>
               <a:t>‹#›</a:t>
             </a:fld>
@@ -921,7 +921,7 @@
     </p:spTree>
     <p:extLst>
       <p:ext uri="{BB962C8B-B14F-4D97-AF65-F5344CB8AC3E}">
-        <p14:creationId xmlns:p14="http://schemas.microsoft.com/office/powerpoint/2010/main" val="4025232502"/>
+        <p14:creationId xmlns:p14="http://schemas.microsoft.com/office/powerpoint/2010/main" val="2947812637"/>
       </p:ext>
     </p:extLst>
   </p:cSld>
@@ -953,7 +953,7 @@
           <p:cNvPr id="2" name="标题 1">
             <a:extLst>
               <a:ext uri="{FF2B5EF4-FFF2-40B4-BE49-F238E27FC236}">
-                <a16:creationId xmlns:a16="http://schemas.microsoft.com/office/drawing/2014/main" id="{DE2659FD-51C5-20AA-F45E-E04CDCBB5D46}"/>
+                <a16:creationId xmlns:a16="http://schemas.microsoft.com/office/drawing/2014/main" id="{FF66BE4C-A294-8EED-B4F7-43DCD30782AB}"/>
               </a:ext>
             </a:extLst>
           </p:cNvPr>
@@ -990,7 +990,7 @@
           <p:cNvPr id="3" name="文本占位符 2">
             <a:extLst>
               <a:ext uri="{FF2B5EF4-FFF2-40B4-BE49-F238E27FC236}">
-                <a16:creationId xmlns:a16="http://schemas.microsoft.com/office/drawing/2014/main" id="{52F018EE-8D3C-A84C-363B-D08AFC7D5028}"/>
+                <a16:creationId xmlns:a16="http://schemas.microsoft.com/office/drawing/2014/main" id="{67CCDF44-68C8-2147-6A98-AAFF15A5E442}"/>
               </a:ext>
             </a:extLst>
           </p:cNvPr>
@@ -1115,7 +1115,7 @@
           <p:cNvPr id="4" name="日期占位符 3">
             <a:extLst>
               <a:ext uri="{FF2B5EF4-FFF2-40B4-BE49-F238E27FC236}">
-                <a16:creationId xmlns:a16="http://schemas.microsoft.com/office/drawing/2014/main" id="{AE7ECDEC-D26F-06FB-9FA2-BEF3287B8B47}"/>
+                <a16:creationId xmlns:a16="http://schemas.microsoft.com/office/drawing/2014/main" id="{E605BD8E-586B-378D-47BD-8DD73A86B091}"/>
               </a:ext>
             </a:extLst>
           </p:cNvPr>
@@ -1131,7 +1131,7 @@
           <a:bodyPr/>
           <a:lstStyle/>
           <a:p>
-            <a:fld id="{0FD212FD-B33E-45BF-A43B-2A018F8D3B3E}" type="datetimeFigureOut">
+            <a:fld id="{59F6A7A8-5896-48CF-86C9-E363E9CE9A99}" type="datetimeFigureOut">
               <a:rPr lang="zh-CN" altLang="en-US" smtClean="0"/>
               <a:t>2024/3/10</a:t>
             </a:fld>
@@ -1144,7 +1144,7 @@
           <p:cNvPr id="5" name="页脚占位符 4">
             <a:extLst>
               <a:ext uri="{FF2B5EF4-FFF2-40B4-BE49-F238E27FC236}">
-                <a16:creationId xmlns:a16="http://schemas.microsoft.com/office/drawing/2014/main" id="{341CF8D4-CF22-7ECE-E59E-683F192CE9C8}"/>
+                <a16:creationId xmlns:a16="http://schemas.microsoft.com/office/drawing/2014/main" id="{5944ACA6-5E7D-8551-F9DA-189A94C50C5B}"/>
               </a:ext>
             </a:extLst>
           </p:cNvPr>
@@ -1169,7 +1169,7 @@
           <p:cNvPr id="6" name="灯片编号占位符 5">
             <a:extLst>
               <a:ext uri="{FF2B5EF4-FFF2-40B4-BE49-F238E27FC236}">
-                <a16:creationId xmlns:a16="http://schemas.microsoft.com/office/drawing/2014/main" id="{B7B10397-4D85-4E32-1A2E-CA996DA616AC}"/>
+                <a16:creationId xmlns:a16="http://schemas.microsoft.com/office/drawing/2014/main" id="{DD698D20-25EA-1EA1-1461-ED43BE6A35B7}"/>
               </a:ext>
             </a:extLst>
           </p:cNvPr>
@@ -1185,7 +1185,7 @@
           <a:bodyPr/>
           <a:lstStyle/>
           <a:p>
-            <a:fld id="{0CD1044D-D32D-4526-9464-3F5AEE835332}" type="slidenum">
+            <a:fld id="{A4E5E46C-E0AE-4ECF-806A-F54602903F6A}" type="slidenum">
               <a:rPr lang="zh-CN" altLang="en-US" smtClean="0"/>
               <a:t>‹#›</a:t>
             </a:fld>
@@ -1196,7 +1196,7 @@
     </p:spTree>
     <p:extLst>
       <p:ext uri="{BB962C8B-B14F-4D97-AF65-F5344CB8AC3E}">
-        <p14:creationId xmlns:p14="http://schemas.microsoft.com/office/powerpoint/2010/main" val="1106548209"/>
+        <p14:creationId xmlns:p14="http://schemas.microsoft.com/office/powerpoint/2010/main" val="3029820432"/>
       </p:ext>
     </p:extLst>
   </p:cSld>
@@ -1228,7 +1228,7 @@
           <p:cNvPr id="2" name="标题 1">
             <a:extLst>
               <a:ext uri="{FF2B5EF4-FFF2-40B4-BE49-F238E27FC236}">
-                <a16:creationId xmlns:a16="http://schemas.microsoft.com/office/drawing/2014/main" id="{58456E6E-9A5F-9D98-9BEC-421E544E783D}"/>
+                <a16:creationId xmlns:a16="http://schemas.microsoft.com/office/drawing/2014/main" id="{837E5DA2-F491-5849-8264-12F6F67EDF3B}"/>
               </a:ext>
             </a:extLst>
           </p:cNvPr>
@@ -1256,7 +1256,7 @@
           <p:cNvPr id="3" name="内容占位符 2">
             <a:extLst>
               <a:ext uri="{FF2B5EF4-FFF2-40B4-BE49-F238E27FC236}">
-                <a16:creationId xmlns:a16="http://schemas.microsoft.com/office/drawing/2014/main" id="{DEE02373-AC5E-5A61-081A-33162C28EEA7}"/>
+                <a16:creationId xmlns:a16="http://schemas.microsoft.com/office/drawing/2014/main" id="{E3C367CA-D348-85E4-6996-B045DFC2721E}"/>
               </a:ext>
             </a:extLst>
           </p:cNvPr>
@@ -1318,7 +1318,7 @@
           <p:cNvPr id="4" name="内容占位符 3">
             <a:extLst>
               <a:ext uri="{FF2B5EF4-FFF2-40B4-BE49-F238E27FC236}">
-                <a16:creationId xmlns:a16="http://schemas.microsoft.com/office/drawing/2014/main" id="{33854004-00B2-B576-0980-DFEA5FF88250}"/>
+                <a16:creationId xmlns:a16="http://schemas.microsoft.com/office/drawing/2014/main" id="{B3B723EA-29AB-9271-7E27-81E619CDB4C7}"/>
               </a:ext>
             </a:extLst>
           </p:cNvPr>
@@ -1380,7 +1380,7 @@
           <p:cNvPr id="5" name="日期占位符 4">
             <a:extLst>
               <a:ext uri="{FF2B5EF4-FFF2-40B4-BE49-F238E27FC236}">
-                <a16:creationId xmlns:a16="http://schemas.microsoft.com/office/drawing/2014/main" id="{0860A5F8-9262-59C5-583B-48B150840DB5}"/>
+                <a16:creationId xmlns:a16="http://schemas.microsoft.com/office/drawing/2014/main" id="{9E1A99E5-9684-F85D-C17C-0BC9706C6613}"/>
               </a:ext>
             </a:extLst>
           </p:cNvPr>
@@ -1396,7 +1396,7 @@
           <a:bodyPr/>
           <a:lstStyle/>
           <a:p>
-            <a:fld id="{0FD212FD-B33E-45BF-A43B-2A018F8D3B3E}" type="datetimeFigureOut">
+            <a:fld id="{59F6A7A8-5896-48CF-86C9-E363E9CE9A99}" type="datetimeFigureOut">
               <a:rPr lang="zh-CN" altLang="en-US" smtClean="0"/>
               <a:t>2024/3/10</a:t>
             </a:fld>
@@ -1409,7 +1409,7 @@
           <p:cNvPr id="6" name="页脚占位符 5">
             <a:extLst>
               <a:ext uri="{FF2B5EF4-FFF2-40B4-BE49-F238E27FC236}">
-                <a16:creationId xmlns:a16="http://schemas.microsoft.com/office/drawing/2014/main" id="{6530C7A5-6FEE-ABEC-C454-39433ED37A6E}"/>
+                <a16:creationId xmlns:a16="http://schemas.microsoft.com/office/drawing/2014/main" id="{C1031E74-B0E7-47CD-B0F3-DC661A1AED6C}"/>
               </a:ext>
             </a:extLst>
           </p:cNvPr>
@@ -1434,7 +1434,7 @@
           <p:cNvPr id="7" name="灯片编号占位符 6">
             <a:extLst>
               <a:ext uri="{FF2B5EF4-FFF2-40B4-BE49-F238E27FC236}">
-                <a16:creationId xmlns:a16="http://schemas.microsoft.com/office/drawing/2014/main" id="{503AACEE-6F3B-E195-D925-A610CA50B594}"/>
+                <a16:creationId xmlns:a16="http://schemas.microsoft.com/office/drawing/2014/main" id="{BA56FC2E-1303-1ED8-76A7-EBC6C10320F1}"/>
               </a:ext>
             </a:extLst>
           </p:cNvPr>
@@ -1450,7 +1450,7 @@
           <a:bodyPr/>
           <a:lstStyle/>
           <a:p>
-            <a:fld id="{0CD1044D-D32D-4526-9464-3F5AEE835332}" type="slidenum">
+            <a:fld id="{A4E5E46C-E0AE-4ECF-806A-F54602903F6A}" type="slidenum">
               <a:rPr lang="zh-CN" altLang="en-US" smtClean="0"/>
               <a:t>‹#›</a:t>
             </a:fld>
@@ -1461,7 +1461,7 @@
     </p:spTree>
     <p:extLst>
       <p:ext uri="{BB962C8B-B14F-4D97-AF65-F5344CB8AC3E}">
-        <p14:creationId xmlns:p14="http://schemas.microsoft.com/office/powerpoint/2010/main" val="3726516533"/>
+        <p14:creationId xmlns:p14="http://schemas.microsoft.com/office/powerpoint/2010/main" val="3176877049"/>
       </p:ext>
     </p:extLst>
   </p:cSld>
@@ -1493,7 +1493,7 @@
           <p:cNvPr id="2" name="标题 1">
             <a:extLst>
               <a:ext uri="{FF2B5EF4-FFF2-40B4-BE49-F238E27FC236}">
-                <a16:creationId xmlns:a16="http://schemas.microsoft.com/office/drawing/2014/main" id="{845356B0-1753-C3C5-90C0-B4D508B474CC}"/>
+                <a16:creationId xmlns:a16="http://schemas.microsoft.com/office/drawing/2014/main" id="{CC66AE79-0B1C-F443-40A7-CCA263A6E6CD}"/>
               </a:ext>
             </a:extLst>
           </p:cNvPr>
@@ -1526,7 +1526,7 @@
           <p:cNvPr id="3" name="文本占位符 2">
             <a:extLst>
               <a:ext uri="{FF2B5EF4-FFF2-40B4-BE49-F238E27FC236}">
-                <a16:creationId xmlns:a16="http://schemas.microsoft.com/office/drawing/2014/main" id="{DFA4CA24-5238-6BE3-C9D4-8E9ADA972A94}"/>
+                <a16:creationId xmlns:a16="http://schemas.microsoft.com/office/drawing/2014/main" id="{732A3A2E-950B-BE5C-9770-0975C3B2E136}"/>
               </a:ext>
             </a:extLst>
           </p:cNvPr>
@@ -1597,7 +1597,7 @@
           <p:cNvPr id="4" name="内容占位符 3">
             <a:extLst>
               <a:ext uri="{FF2B5EF4-FFF2-40B4-BE49-F238E27FC236}">
-                <a16:creationId xmlns:a16="http://schemas.microsoft.com/office/drawing/2014/main" id="{08D62C8B-03AB-33E5-F15C-CBD5BA412F48}"/>
+                <a16:creationId xmlns:a16="http://schemas.microsoft.com/office/drawing/2014/main" id="{94D86075-200D-0D01-4825-540F6BA037CA}"/>
               </a:ext>
             </a:extLst>
           </p:cNvPr>
@@ -1659,7 +1659,7 @@
           <p:cNvPr id="5" name="文本占位符 4">
             <a:extLst>
               <a:ext uri="{FF2B5EF4-FFF2-40B4-BE49-F238E27FC236}">
-                <a16:creationId xmlns:a16="http://schemas.microsoft.com/office/drawing/2014/main" id="{2A44BEEA-305A-18BE-B860-52F64FEA9C14}"/>
+                <a16:creationId xmlns:a16="http://schemas.microsoft.com/office/drawing/2014/main" id="{3A47BE6B-A20B-0D23-F1D4-0916EDDF965E}"/>
               </a:ext>
             </a:extLst>
           </p:cNvPr>
@@ -1730,7 +1730,7 @@
           <p:cNvPr id="6" name="内容占位符 5">
             <a:extLst>
               <a:ext uri="{FF2B5EF4-FFF2-40B4-BE49-F238E27FC236}">
-                <a16:creationId xmlns:a16="http://schemas.microsoft.com/office/drawing/2014/main" id="{A9F0E560-6D37-A15C-688E-CC3F4E5F06CB}"/>
+                <a16:creationId xmlns:a16="http://schemas.microsoft.com/office/drawing/2014/main" id="{3EDDE7A4-4B73-D75F-6504-803A3136340A}"/>
               </a:ext>
             </a:extLst>
           </p:cNvPr>
@@ -1792,7 +1792,7 @@
           <p:cNvPr id="7" name="日期占位符 6">
             <a:extLst>
               <a:ext uri="{FF2B5EF4-FFF2-40B4-BE49-F238E27FC236}">
-                <a16:creationId xmlns:a16="http://schemas.microsoft.com/office/drawing/2014/main" id="{DA1211C1-AAE1-9298-0B74-345F4F2A5339}"/>
+                <a16:creationId xmlns:a16="http://schemas.microsoft.com/office/drawing/2014/main" id="{9573BDD9-93E6-B302-44C8-3786D5BF51BD}"/>
               </a:ext>
             </a:extLst>
           </p:cNvPr>
@@ -1808,7 +1808,7 @@
           <a:bodyPr/>
           <a:lstStyle/>
           <a:p>
-            <a:fld id="{0FD212FD-B33E-45BF-A43B-2A018F8D3B3E}" type="datetimeFigureOut">
+            <a:fld id="{59F6A7A8-5896-48CF-86C9-E363E9CE9A99}" type="datetimeFigureOut">
               <a:rPr lang="zh-CN" altLang="en-US" smtClean="0"/>
               <a:t>2024/3/10</a:t>
             </a:fld>
@@ -1821,7 +1821,7 @@
           <p:cNvPr id="8" name="页脚占位符 7">
             <a:extLst>
               <a:ext uri="{FF2B5EF4-FFF2-40B4-BE49-F238E27FC236}">
-                <a16:creationId xmlns:a16="http://schemas.microsoft.com/office/drawing/2014/main" id="{3DFA5B92-C67B-5D8C-C59E-2F3629738193}"/>
+                <a16:creationId xmlns:a16="http://schemas.microsoft.com/office/drawing/2014/main" id="{C1F23626-8763-08D6-490B-024DD4F20427}"/>
               </a:ext>
             </a:extLst>
           </p:cNvPr>
@@ -1846,7 +1846,7 @@
           <p:cNvPr id="9" name="灯片编号占位符 8">
             <a:extLst>
               <a:ext uri="{FF2B5EF4-FFF2-40B4-BE49-F238E27FC236}">
-                <a16:creationId xmlns:a16="http://schemas.microsoft.com/office/drawing/2014/main" id="{24359953-39F3-BCCF-1290-DD8230DA1F03}"/>
+                <a16:creationId xmlns:a16="http://schemas.microsoft.com/office/drawing/2014/main" id="{9DB4662F-2A7B-D792-E334-7A7E1DE9D4DD}"/>
               </a:ext>
             </a:extLst>
           </p:cNvPr>
@@ -1862,7 +1862,7 @@
           <a:bodyPr/>
           <a:lstStyle/>
           <a:p>
-            <a:fld id="{0CD1044D-D32D-4526-9464-3F5AEE835332}" type="slidenum">
+            <a:fld id="{A4E5E46C-E0AE-4ECF-806A-F54602903F6A}" type="slidenum">
               <a:rPr lang="zh-CN" altLang="en-US" smtClean="0"/>
               <a:t>‹#›</a:t>
             </a:fld>
@@ -1873,7 +1873,7 @@
     </p:spTree>
     <p:extLst>
       <p:ext uri="{BB962C8B-B14F-4D97-AF65-F5344CB8AC3E}">
-        <p14:creationId xmlns:p14="http://schemas.microsoft.com/office/powerpoint/2010/main" val="2633289575"/>
+        <p14:creationId xmlns:p14="http://schemas.microsoft.com/office/powerpoint/2010/main" val="3273994319"/>
       </p:ext>
     </p:extLst>
   </p:cSld>
@@ -1905,7 +1905,7 @@
           <p:cNvPr id="2" name="标题 1">
             <a:extLst>
               <a:ext uri="{FF2B5EF4-FFF2-40B4-BE49-F238E27FC236}">
-                <a16:creationId xmlns:a16="http://schemas.microsoft.com/office/drawing/2014/main" id="{72CE4454-0F2E-95E3-F8BB-1191D9678AAB}"/>
+                <a16:creationId xmlns:a16="http://schemas.microsoft.com/office/drawing/2014/main" id="{BA49F64A-BEF9-770D-CB1D-19A49B9E8DFA}"/>
               </a:ext>
             </a:extLst>
           </p:cNvPr>
@@ -1933,7 +1933,7 @@
           <p:cNvPr id="3" name="日期占位符 2">
             <a:extLst>
               <a:ext uri="{FF2B5EF4-FFF2-40B4-BE49-F238E27FC236}">
-                <a16:creationId xmlns:a16="http://schemas.microsoft.com/office/drawing/2014/main" id="{F779CCFC-8F50-8DA9-3FE2-7B9B716AB5A0}"/>
+                <a16:creationId xmlns:a16="http://schemas.microsoft.com/office/drawing/2014/main" id="{FEE5F1E1-0BC6-FE09-F771-F42A6EEB6869}"/>
               </a:ext>
             </a:extLst>
           </p:cNvPr>
@@ -1949,7 +1949,7 @@
           <a:bodyPr/>
           <a:lstStyle/>
           <a:p>
-            <a:fld id="{0FD212FD-B33E-45BF-A43B-2A018F8D3B3E}" type="datetimeFigureOut">
+            <a:fld id="{59F6A7A8-5896-48CF-86C9-E363E9CE9A99}" type="datetimeFigureOut">
               <a:rPr lang="zh-CN" altLang="en-US" smtClean="0"/>
               <a:t>2024/3/10</a:t>
             </a:fld>
@@ -1962,7 +1962,7 @@
           <p:cNvPr id="4" name="页脚占位符 3">
             <a:extLst>
               <a:ext uri="{FF2B5EF4-FFF2-40B4-BE49-F238E27FC236}">
-                <a16:creationId xmlns:a16="http://schemas.microsoft.com/office/drawing/2014/main" id="{5B19F074-14C1-F5B5-86E9-E815435C9A9A}"/>
+                <a16:creationId xmlns:a16="http://schemas.microsoft.com/office/drawing/2014/main" id="{34A9C2B3-CFC8-4949-68C7-B7634265FF2B}"/>
               </a:ext>
             </a:extLst>
           </p:cNvPr>
@@ -1987,7 +1987,7 @@
           <p:cNvPr id="5" name="灯片编号占位符 4">
             <a:extLst>
               <a:ext uri="{FF2B5EF4-FFF2-40B4-BE49-F238E27FC236}">
-                <a16:creationId xmlns:a16="http://schemas.microsoft.com/office/drawing/2014/main" id="{349F00FD-19B4-F452-93E6-F5AD06842464}"/>
+                <a16:creationId xmlns:a16="http://schemas.microsoft.com/office/drawing/2014/main" id="{DAC1473F-0CBD-0E11-BB8C-900661AEEEA5}"/>
               </a:ext>
             </a:extLst>
           </p:cNvPr>
@@ -2003,7 +2003,7 @@
           <a:bodyPr/>
           <a:lstStyle/>
           <a:p>
-            <a:fld id="{0CD1044D-D32D-4526-9464-3F5AEE835332}" type="slidenum">
+            <a:fld id="{A4E5E46C-E0AE-4ECF-806A-F54602903F6A}" type="slidenum">
               <a:rPr lang="zh-CN" altLang="en-US" smtClean="0"/>
               <a:t>‹#›</a:t>
             </a:fld>
@@ -2014,7 +2014,7 @@
     </p:spTree>
     <p:extLst>
       <p:ext uri="{BB962C8B-B14F-4D97-AF65-F5344CB8AC3E}">
-        <p14:creationId xmlns:p14="http://schemas.microsoft.com/office/powerpoint/2010/main" val="1777420118"/>
+        <p14:creationId xmlns:p14="http://schemas.microsoft.com/office/powerpoint/2010/main" val="2980992115"/>
       </p:ext>
     </p:extLst>
   </p:cSld>
@@ -2046,7 +2046,7 @@
           <p:cNvPr id="2" name="日期占位符 1">
             <a:extLst>
               <a:ext uri="{FF2B5EF4-FFF2-40B4-BE49-F238E27FC236}">
-                <a16:creationId xmlns:a16="http://schemas.microsoft.com/office/drawing/2014/main" id="{EDF86B42-966F-7421-AAEC-5B4A4F552B75}"/>
+                <a16:creationId xmlns:a16="http://schemas.microsoft.com/office/drawing/2014/main" id="{50E4B5F4-7424-C3CF-5E7C-9B2B11B7FCE5}"/>
               </a:ext>
             </a:extLst>
           </p:cNvPr>
@@ -2062,7 +2062,7 @@
           <a:bodyPr/>
           <a:lstStyle/>
           <a:p>
-            <a:fld id="{0FD212FD-B33E-45BF-A43B-2A018F8D3B3E}" type="datetimeFigureOut">
+            <a:fld id="{59F6A7A8-5896-48CF-86C9-E363E9CE9A99}" type="datetimeFigureOut">
               <a:rPr lang="zh-CN" altLang="en-US" smtClean="0"/>
               <a:t>2024/3/10</a:t>
             </a:fld>
@@ -2075,7 +2075,7 @@
           <p:cNvPr id="3" name="页脚占位符 2">
             <a:extLst>
               <a:ext uri="{FF2B5EF4-FFF2-40B4-BE49-F238E27FC236}">
-                <a16:creationId xmlns:a16="http://schemas.microsoft.com/office/drawing/2014/main" id="{E3DD7700-86A3-0B2A-D27B-459F8981E2AC}"/>
+                <a16:creationId xmlns:a16="http://schemas.microsoft.com/office/drawing/2014/main" id="{13929AA6-2B1B-D0E6-D970-1FDDF60D2296}"/>
               </a:ext>
             </a:extLst>
           </p:cNvPr>
@@ -2100,7 +2100,7 @@
           <p:cNvPr id="4" name="灯片编号占位符 3">
             <a:extLst>
               <a:ext uri="{FF2B5EF4-FFF2-40B4-BE49-F238E27FC236}">
-                <a16:creationId xmlns:a16="http://schemas.microsoft.com/office/drawing/2014/main" id="{553CBB1F-9029-CC6B-9EAF-235DCDF5AB09}"/>
+                <a16:creationId xmlns:a16="http://schemas.microsoft.com/office/drawing/2014/main" id="{22808541-AFCD-A3FC-F04B-36C0FE3E2DF3}"/>
               </a:ext>
             </a:extLst>
           </p:cNvPr>
@@ -2116,7 +2116,7 @@
           <a:bodyPr/>
           <a:lstStyle/>
           <a:p>
-            <a:fld id="{0CD1044D-D32D-4526-9464-3F5AEE835332}" type="slidenum">
+            <a:fld id="{A4E5E46C-E0AE-4ECF-806A-F54602903F6A}" type="slidenum">
               <a:rPr lang="zh-CN" altLang="en-US" smtClean="0"/>
               <a:t>‹#›</a:t>
             </a:fld>
@@ -2127,7 +2127,7 @@
     </p:spTree>
     <p:extLst>
       <p:ext uri="{BB962C8B-B14F-4D97-AF65-F5344CB8AC3E}">
-        <p14:creationId xmlns:p14="http://schemas.microsoft.com/office/powerpoint/2010/main" val="2426576980"/>
+        <p14:creationId xmlns:p14="http://schemas.microsoft.com/office/powerpoint/2010/main" val="1167614217"/>
       </p:ext>
     </p:extLst>
   </p:cSld>
@@ -2159,7 +2159,7 @@
           <p:cNvPr id="2" name="标题 1">
             <a:extLst>
               <a:ext uri="{FF2B5EF4-FFF2-40B4-BE49-F238E27FC236}">
-                <a16:creationId xmlns:a16="http://schemas.microsoft.com/office/drawing/2014/main" id="{DD070803-0A66-A005-24D2-CDE0CA12FC99}"/>
+                <a16:creationId xmlns:a16="http://schemas.microsoft.com/office/drawing/2014/main" id="{4D5CB421-BC58-712F-E04C-241C3467EFA5}"/>
               </a:ext>
             </a:extLst>
           </p:cNvPr>
@@ -2196,7 +2196,7 @@
           <p:cNvPr id="3" name="内容占位符 2">
             <a:extLst>
               <a:ext uri="{FF2B5EF4-FFF2-40B4-BE49-F238E27FC236}">
-                <a16:creationId xmlns:a16="http://schemas.microsoft.com/office/drawing/2014/main" id="{A64ACF6D-2CFA-9D0A-245D-BF47BE22624B}"/>
+                <a16:creationId xmlns:a16="http://schemas.microsoft.com/office/drawing/2014/main" id="{FCE350D1-F70F-7965-B419-EF5DDB369004}"/>
               </a:ext>
             </a:extLst>
           </p:cNvPr>
@@ -2286,7 +2286,7 @@
           <p:cNvPr id="4" name="文本占位符 3">
             <a:extLst>
               <a:ext uri="{FF2B5EF4-FFF2-40B4-BE49-F238E27FC236}">
-                <a16:creationId xmlns:a16="http://schemas.microsoft.com/office/drawing/2014/main" id="{8F4BEE06-F662-3E10-987C-7527830F7D20}"/>
+                <a16:creationId xmlns:a16="http://schemas.microsoft.com/office/drawing/2014/main" id="{01A5D435-0F18-A4EE-C6E0-AA6E1972F214}"/>
               </a:ext>
             </a:extLst>
           </p:cNvPr>
@@ -2357,7 +2357,7 @@
           <p:cNvPr id="5" name="日期占位符 4">
             <a:extLst>
               <a:ext uri="{FF2B5EF4-FFF2-40B4-BE49-F238E27FC236}">
-                <a16:creationId xmlns:a16="http://schemas.microsoft.com/office/drawing/2014/main" id="{8F88B725-7C97-1744-4DB7-4D1146A3CDD7}"/>
+                <a16:creationId xmlns:a16="http://schemas.microsoft.com/office/drawing/2014/main" id="{7FC6EAD5-936F-87AF-A40C-9183E5865F3E}"/>
               </a:ext>
             </a:extLst>
           </p:cNvPr>
@@ -2373,7 +2373,7 @@
           <a:bodyPr/>
           <a:lstStyle/>
           <a:p>
-            <a:fld id="{0FD212FD-B33E-45BF-A43B-2A018F8D3B3E}" type="datetimeFigureOut">
+            <a:fld id="{59F6A7A8-5896-48CF-86C9-E363E9CE9A99}" type="datetimeFigureOut">
               <a:rPr lang="zh-CN" altLang="en-US" smtClean="0"/>
               <a:t>2024/3/10</a:t>
             </a:fld>
@@ -2386,7 +2386,7 @@
           <p:cNvPr id="6" name="页脚占位符 5">
             <a:extLst>
               <a:ext uri="{FF2B5EF4-FFF2-40B4-BE49-F238E27FC236}">
-                <a16:creationId xmlns:a16="http://schemas.microsoft.com/office/drawing/2014/main" id="{BEFDAD21-CE55-1097-955F-206B064D74CB}"/>
+                <a16:creationId xmlns:a16="http://schemas.microsoft.com/office/drawing/2014/main" id="{090DA2EA-2E11-B9D1-4181-F3299E0A92CA}"/>
               </a:ext>
             </a:extLst>
           </p:cNvPr>
@@ -2411,7 +2411,7 @@
           <p:cNvPr id="7" name="灯片编号占位符 6">
             <a:extLst>
               <a:ext uri="{FF2B5EF4-FFF2-40B4-BE49-F238E27FC236}">
-                <a16:creationId xmlns:a16="http://schemas.microsoft.com/office/drawing/2014/main" id="{5D820D78-1765-716B-657A-2B7139AECB2F}"/>
+                <a16:creationId xmlns:a16="http://schemas.microsoft.com/office/drawing/2014/main" id="{E7199A59-D783-66CC-0F26-A97716CF7644}"/>
               </a:ext>
             </a:extLst>
           </p:cNvPr>
@@ -2427,7 +2427,7 @@
           <a:bodyPr/>
           <a:lstStyle/>
           <a:p>
-            <a:fld id="{0CD1044D-D32D-4526-9464-3F5AEE835332}" type="slidenum">
+            <a:fld id="{A4E5E46C-E0AE-4ECF-806A-F54602903F6A}" type="slidenum">
               <a:rPr lang="zh-CN" altLang="en-US" smtClean="0"/>
               <a:t>‹#›</a:t>
             </a:fld>
@@ -2438,7 +2438,7 @@
     </p:spTree>
     <p:extLst>
       <p:ext uri="{BB962C8B-B14F-4D97-AF65-F5344CB8AC3E}">
-        <p14:creationId xmlns:p14="http://schemas.microsoft.com/office/powerpoint/2010/main" val="1567744472"/>
+        <p14:creationId xmlns:p14="http://schemas.microsoft.com/office/powerpoint/2010/main" val="1852766823"/>
       </p:ext>
     </p:extLst>
   </p:cSld>
@@ -2470,7 +2470,7 @@
           <p:cNvPr id="2" name="标题 1">
             <a:extLst>
               <a:ext uri="{FF2B5EF4-FFF2-40B4-BE49-F238E27FC236}">
-                <a16:creationId xmlns:a16="http://schemas.microsoft.com/office/drawing/2014/main" id="{D920893F-FD83-4BFD-2CDF-EDCE521E2C6A}"/>
+                <a16:creationId xmlns:a16="http://schemas.microsoft.com/office/drawing/2014/main" id="{FF1F9341-B052-5276-1F48-0F77AD94E162}"/>
               </a:ext>
             </a:extLst>
           </p:cNvPr>
@@ -2507,7 +2507,7 @@
           <p:cNvPr id="3" name="图片占位符 2">
             <a:extLst>
               <a:ext uri="{FF2B5EF4-FFF2-40B4-BE49-F238E27FC236}">
-                <a16:creationId xmlns:a16="http://schemas.microsoft.com/office/drawing/2014/main" id="{E916792A-FC42-1D03-60BD-7F56A385ABEF}"/>
+                <a16:creationId xmlns:a16="http://schemas.microsoft.com/office/drawing/2014/main" id="{8BA0DD47-E56F-23DA-8255-62C3B4079BA3}"/>
               </a:ext>
             </a:extLst>
           </p:cNvPr>
@@ -2574,7 +2574,7 @@
           <p:cNvPr id="4" name="文本占位符 3">
             <a:extLst>
               <a:ext uri="{FF2B5EF4-FFF2-40B4-BE49-F238E27FC236}">
-                <a16:creationId xmlns:a16="http://schemas.microsoft.com/office/drawing/2014/main" id="{075BC8D5-AE3E-4FE8-3F33-BD46206A87F0}"/>
+                <a16:creationId xmlns:a16="http://schemas.microsoft.com/office/drawing/2014/main" id="{D0C2D68C-3C0D-6FAB-9434-7853E3E90963}"/>
               </a:ext>
             </a:extLst>
           </p:cNvPr>
@@ -2645,7 +2645,7 @@
           <p:cNvPr id="5" name="日期占位符 4">
             <a:extLst>
               <a:ext uri="{FF2B5EF4-FFF2-40B4-BE49-F238E27FC236}">
-                <a16:creationId xmlns:a16="http://schemas.microsoft.com/office/drawing/2014/main" id="{D8FF1C36-3652-E740-AD9B-6B687C15D543}"/>
+                <a16:creationId xmlns:a16="http://schemas.microsoft.com/office/drawing/2014/main" id="{1AE5EAB6-D3AA-33A4-07FF-2F14E7901D4A}"/>
               </a:ext>
             </a:extLst>
           </p:cNvPr>
@@ -2661,7 +2661,7 @@
           <a:bodyPr/>
           <a:lstStyle/>
           <a:p>
-            <a:fld id="{0FD212FD-B33E-45BF-A43B-2A018F8D3B3E}" type="datetimeFigureOut">
+            <a:fld id="{59F6A7A8-5896-48CF-86C9-E363E9CE9A99}" type="datetimeFigureOut">
               <a:rPr lang="zh-CN" altLang="en-US" smtClean="0"/>
               <a:t>2024/3/10</a:t>
             </a:fld>
@@ -2674,7 +2674,7 @@
           <p:cNvPr id="6" name="页脚占位符 5">
             <a:extLst>
               <a:ext uri="{FF2B5EF4-FFF2-40B4-BE49-F238E27FC236}">
-                <a16:creationId xmlns:a16="http://schemas.microsoft.com/office/drawing/2014/main" id="{5A6613EB-0985-A849-8FC6-41C4EFA3912E}"/>
+                <a16:creationId xmlns:a16="http://schemas.microsoft.com/office/drawing/2014/main" id="{D3F74D80-023D-7981-5D47-51483CD89AC6}"/>
               </a:ext>
             </a:extLst>
           </p:cNvPr>
@@ -2699,7 +2699,7 @@
           <p:cNvPr id="7" name="灯片编号占位符 6">
             <a:extLst>
               <a:ext uri="{FF2B5EF4-FFF2-40B4-BE49-F238E27FC236}">
-                <a16:creationId xmlns:a16="http://schemas.microsoft.com/office/drawing/2014/main" id="{0CD547FD-2356-9706-3ACE-DD233B11CA79}"/>
+                <a16:creationId xmlns:a16="http://schemas.microsoft.com/office/drawing/2014/main" id="{001C7F26-9090-9A9F-FBE1-43BDE38C95F8}"/>
               </a:ext>
             </a:extLst>
           </p:cNvPr>
@@ -2715,7 +2715,7 @@
           <a:bodyPr/>
           <a:lstStyle/>
           <a:p>
-            <a:fld id="{0CD1044D-D32D-4526-9464-3F5AEE835332}" type="slidenum">
+            <a:fld id="{A4E5E46C-E0AE-4ECF-806A-F54602903F6A}" type="slidenum">
               <a:rPr lang="zh-CN" altLang="en-US" smtClean="0"/>
               <a:t>‹#›</a:t>
             </a:fld>
@@ -2726,7 +2726,7 @@
     </p:spTree>
     <p:extLst>
       <p:ext uri="{BB962C8B-B14F-4D97-AF65-F5344CB8AC3E}">
-        <p14:creationId xmlns:p14="http://schemas.microsoft.com/office/powerpoint/2010/main" val="492460187"/>
+        <p14:creationId xmlns:p14="http://schemas.microsoft.com/office/powerpoint/2010/main" val="3095412338"/>
       </p:ext>
     </p:extLst>
   </p:cSld>
@@ -2763,7 +2763,7 @@
           <p:cNvPr id="2" name="标题占位符 1">
             <a:extLst>
               <a:ext uri="{FF2B5EF4-FFF2-40B4-BE49-F238E27FC236}">
-                <a16:creationId xmlns:a16="http://schemas.microsoft.com/office/drawing/2014/main" id="{0CC102F2-6281-FAAA-045A-3648BE5FF00A}"/>
+                <a16:creationId xmlns:a16="http://schemas.microsoft.com/office/drawing/2014/main" id="{E5AC28D6-18A6-D97B-A58F-3EDEA838AD39}"/>
               </a:ext>
             </a:extLst>
           </p:cNvPr>
@@ -2801,7 +2801,7 @@
           <p:cNvPr id="3" name="文本占位符 2">
             <a:extLst>
               <a:ext uri="{FF2B5EF4-FFF2-40B4-BE49-F238E27FC236}">
-                <a16:creationId xmlns:a16="http://schemas.microsoft.com/office/drawing/2014/main" id="{696C518F-145F-1173-2216-5D9A462C36A7}"/>
+                <a16:creationId xmlns:a16="http://schemas.microsoft.com/office/drawing/2014/main" id="{157E37BB-A11B-928B-723E-5824677F2A54}"/>
               </a:ext>
             </a:extLst>
           </p:cNvPr>
@@ -2868,7 +2868,7 @@
           <p:cNvPr id="4" name="日期占位符 3">
             <a:extLst>
               <a:ext uri="{FF2B5EF4-FFF2-40B4-BE49-F238E27FC236}">
-                <a16:creationId xmlns:a16="http://schemas.microsoft.com/office/drawing/2014/main" id="{2B76F70E-CC03-1C65-A066-AA91E96843F5}"/>
+                <a16:creationId xmlns:a16="http://schemas.microsoft.com/office/drawing/2014/main" id="{E6A197BB-5672-521B-9DA8-34EEC68C9E8B}"/>
               </a:ext>
             </a:extLst>
           </p:cNvPr>
@@ -2902,7 +2902,7 @@
             </a:lvl1pPr>
           </a:lstStyle>
           <a:p>
-            <a:fld id="{0FD212FD-B33E-45BF-A43B-2A018F8D3B3E}" type="datetimeFigureOut">
+            <a:fld id="{59F6A7A8-5896-48CF-86C9-E363E9CE9A99}" type="datetimeFigureOut">
               <a:rPr lang="zh-CN" altLang="en-US" smtClean="0"/>
               <a:t>2024/3/10</a:t>
             </a:fld>
@@ -2915,7 +2915,7 @@
           <p:cNvPr id="5" name="页脚占位符 4">
             <a:extLst>
               <a:ext uri="{FF2B5EF4-FFF2-40B4-BE49-F238E27FC236}">
-                <a16:creationId xmlns:a16="http://schemas.microsoft.com/office/drawing/2014/main" id="{1B534F11-EFBF-759A-20D2-3B4A619D4F36}"/>
+                <a16:creationId xmlns:a16="http://schemas.microsoft.com/office/drawing/2014/main" id="{5A189C53-590F-14E9-7AFA-9D2D23376E35}"/>
               </a:ext>
             </a:extLst>
           </p:cNvPr>
@@ -2958,7 +2958,7 @@
           <p:cNvPr id="6" name="灯片编号占位符 5">
             <a:extLst>
               <a:ext uri="{FF2B5EF4-FFF2-40B4-BE49-F238E27FC236}">
-                <a16:creationId xmlns:a16="http://schemas.microsoft.com/office/drawing/2014/main" id="{A65E1103-C7F5-2EED-4E4F-82A5EDD5C010}"/>
+                <a16:creationId xmlns:a16="http://schemas.microsoft.com/office/drawing/2014/main" id="{AB0291F0-7C45-AF45-61C6-A29A3F18A922}"/>
               </a:ext>
             </a:extLst>
           </p:cNvPr>
@@ -2992,7 +2992,7 @@
             </a:lvl1pPr>
           </a:lstStyle>
           <a:p>
-            <a:fld id="{0CD1044D-D32D-4526-9464-3F5AEE835332}" type="slidenum">
+            <a:fld id="{A4E5E46C-E0AE-4ECF-806A-F54602903F6A}" type="slidenum">
               <a:rPr lang="zh-CN" altLang="en-US" smtClean="0"/>
               <a:t>‹#›</a:t>
             </a:fld>
@@ -3003,7 +3003,7 @@
     </p:spTree>
     <p:extLst>
       <p:ext uri="{BB962C8B-B14F-4D97-AF65-F5344CB8AC3E}">
-        <p14:creationId xmlns:p14="http://schemas.microsoft.com/office/powerpoint/2010/main" val="516026150"/>
+        <p14:creationId xmlns:p14="http://schemas.microsoft.com/office/powerpoint/2010/main" val="1742171163"/>
       </p:ext>
     </p:extLst>
   </p:cSld>
